--- a/just a slide.pptx
+++ b/just a slide.pptx
@@ -247,6 +247,11 @@
       </a:defRPr>
     </a:lvl9pPr>
   </p:defaultTextStyle>
+  <p:extLst>
+    <p:ext uri="{EFAFB233-063F-42B5-8137-9DF3F51BA10A}">
+      <p15:sldGuideLst xmlns:p15="http://schemas.microsoft.com/office/powerpoint/2012/main"/>
+    </p:ext>
+  </p:extLst>
 </p:presentation>
 </file>
 
@@ -11046,7 +11051,7 @@
         <p:spPr>
           <a:xfrm>
             <a:off x="2148416" y="1554371"/>
-            <a:ext cx="6683883" cy="2123658"/>
+            <a:ext cx="7401984" cy="2031325"/>
           </a:xfrm>
           <a:prstGeom prst="rect">
             <a:avLst/>
@@ -11078,7 +11083,7 @@
           </a:p>
           <a:p>
             <a:r>
-              <a:rPr kumimoji="0" lang="en" sz="6600" b="0" i="0" u="none" strike="noStrike" kern="0" cap="none" spc="0" normalizeH="0" baseline="0" noProof="0" dirty="0">
+              <a:rPr kumimoji="0" lang="en" sz="6000" b="0" i="0" u="none" strike="noStrike" kern="0" cap="none" spc="0" normalizeH="0" baseline="0" noProof="0" dirty="0">
                 <a:ln>
                   <a:noFill/>
                 </a:ln>
@@ -11091,9 +11096,9 @@
                 <a:latin typeface="Loved by the King" panose="02000000000000000000" pitchFamily="2" charset="0"/>
                 <a:sym typeface="Bungee"/>
               </a:rPr>
-              <a:t>Hospital DataBase Project</a:t>
+              <a:t>Hospital Management System</a:t>
             </a:r>
-            <a:endParaRPr lang="en-US" dirty="0">
+            <a:endParaRPr lang="en-US" sz="1200" dirty="0">
               <a:solidFill>
                 <a:srgbClr val="FFFF00"/>
               </a:solidFill>
@@ -11491,7 +11496,48 @@
                 <a:latin typeface="Loved by the King" panose="02000000000000000000" pitchFamily="2" charset="0"/>
                 <a:sym typeface="Bungee"/>
               </a:rPr>
-              <a:t>It’s just old MySQL+NF</a:t>
+              <a:t>It’s just old </a:t>
+            </a:r>
+            <a:r>
+              <a:rPr kumimoji="0" lang="en" sz="6600" b="0" i="0" u="none" strike="noStrike" kern="0" cap="none" spc="0" normalizeH="0" baseline="0" noProof="0" dirty="0">
+                <a:ln>
+                  <a:noFill/>
+                </a:ln>
+                <a:solidFill>
+                  <a:schemeClr val="accent1">
+                    <a:lumMod val="40000"/>
+                    <a:lumOff val="60000"/>
+                  </a:schemeClr>
+                </a:solidFill>
+                <a:effectLst/>
+                <a:highlight>
+                  <a:srgbClr val="000000"/>
+                </a:highlight>
+                <a:uLnTx/>
+                <a:uFillTx/>
+                <a:latin typeface="Loved by the King" panose="02000000000000000000" pitchFamily="2" charset="0"/>
+                <a:sym typeface="Bungee"/>
+              </a:rPr>
+              <a:t>MySQL</a:t>
+            </a:r>
+            <a:r>
+              <a:rPr kumimoji="0" lang="en" sz="6600" b="0" i="0" u="none" strike="noStrike" kern="0" cap="none" spc="0" normalizeH="0" baseline="0" noProof="0" dirty="0">
+                <a:ln>
+                  <a:noFill/>
+                </a:ln>
+                <a:solidFill>
+                  <a:srgbClr val="F6EFE4"/>
+                </a:solidFill>
+                <a:effectLst/>
+                <a:highlight>
+                  <a:srgbClr val="000000"/>
+                </a:highlight>
+                <a:uLnTx/>
+                <a:uFillTx/>
+                <a:latin typeface="Loved by the King" panose="02000000000000000000" pitchFamily="2" charset="0"/>
+                <a:sym typeface="Bungee"/>
+              </a:rPr>
+              <a:t>+NF</a:t>
             </a:r>
             <a:endParaRPr lang="en-US" dirty="0">
               <a:highlight>
